--- a/HCI-paper.pptx
+++ b/HCI-paper.pptx
@@ -4,6 +4,9 @@
   <p:sldMasterIdLst>
     <p:sldMasterId id="2147483648" r:id="rId1"/>
   </p:sldMasterIdLst>
+  <p:notesMasterIdLst>
+    <p:notesMasterId r:id="rId19"/>
+  </p:notesMasterIdLst>
   <p:sldIdLst>
     <p:sldId id="257" r:id="rId2"/>
     <p:sldId id="258" r:id="rId3"/>
@@ -128,6 +131,1247 @@
 </p:presentation>
 </file>
 
+<file path=ppt/notesMasters/notesMaster1.xml><?xml version="1.0" encoding="utf-8"?>
+<p:notesMaster xmlns:a="http://schemas.openxmlformats.org/drawingml/2006/main" xmlns:r="http://schemas.openxmlformats.org/officeDocument/2006/relationships" xmlns:p="http://schemas.openxmlformats.org/presentationml/2006/main">
+  <p:cSld>
+    <p:bg>
+      <p:bgRef idx="1001">
+        <a:schemeClr val="bg1"/>
+      </p:bgRef>
+    </p:bg>
+    <p:spTree>
+      <p:nvGrpSpPr>
+        <p:cNvPr id="1" name=""/>
+        <p:cNvGrpSpPr/>
+        <p:nvPr/>
+      </p:nvGrpSpPr>
+      <p:grpSpPr>
+        <a:xfrm>
+          <a:off x="0" y="0"/>
+          <a:ext cx="0" cy="0"/>
+          <a:chOff x="0" y="0"/>
+          <a:chExt cx="0" cy="0"/>
+        </a:xfrm>
+      </p:grpSpPr>
+      <p:sp>
+        <p:nvSpPr>
+          <p:cNvPr id="2" name="Header Placeholder 1"/>
+          <p:cNvSpPr>
+            <a:spLocks noGrp="1"/>
+          </p:cNvSpPr>
+          <p:nvPr>
+            <p:ph type="hdr" sz="quarter"/>
+          </p:nvPr>
+        </p:nvSpPr>
+        <p:spPr>
+          <a:xfrm>
+            <a:off x="0" y="0"/>
+            <a:ext cx="2971800" cy="458788"/>
+          </a:xfrm>
+          <a:prstGeom prst="rect">
+            <a:avLst/>
+          </a:prstGeom>
+        </p:spPr>
+        <p:txBody>
+          <a:bodyPr vert="horz" lIns="91440" tIns="45720" rIns="91440" bIns="45720" rtlCol="0"/>
+          <a:lstStyle>
+            <a:lvl1pPr algn="l">
+              <a:defRPr sz="1200"/>
+            </a:lvl1pPr>
+          </a:lstStyle>
+          <a:p>
+            <a:endParaRPr lang="en-US"/>
+          </a:p>
+        </p:txBody>
+      </p:sp>
+      <p:sp>
+        <p:nvSpPr>
+          <p:cNvPr id="3" name="Date Placeholder 2"/>
+          <p:cNvSpPr>
+            <a:spLocks noGrp="1"/>
+          </p:cNvSpPr>
+          <p:nvPr>
+            <p:ph type="dt" idx="1"/>
+          </p:nvPr>
+        </p:nvSpPr>
+        <p:spPr>
+          <a:xfrm>
+            <a:off x="3884613" y="0"/>
+            <a:ext cx="2971800" cy="458788"/>
+          </a:xfrm>
+          <a:prstGeom prst="rect">
+            <a:avLst/>
+          </a:prstGeom>
+        </p:spPr>
+        <p:txBody>
+          <a:bodyPr vert="horz" lIns="91440" tIns="45720" rIns="91440" bIns="45720" rtlCol="0"/>
+          <a:lstStyle>
+            <a:lvl1pPr algn="r">
+              <a:defRPr sz="1200"/>
+            </a:lvl1pPr>
+          </a:lstStyle>
+          <a:p>
+            <a:fld id="{4CC511B7-0799-4C4B-9ED2-815B03DB828B}" type="datetimeFigureOut">
+              <a:rPr lang="en-US" smtClean="0"/>
+              <a:t>08-Aug-25</a:t>
+            </a:fld>
+            <a:endParaRPr lang="en-US"/>
+          </a:p>
+        </p:txBody>
+      </p:sp>
+      <p:sp>
+        <p:nvSpPr>
+          <p:cNvPr id="4" name="Slide Image Placeholder 3"/>
+          <p:cNvSpPr>
+            <a:spLocks noGrp="1" noRot="1" noChangeAspect="1"/>
+          </p:cNvSpPr>
+          <p:nvPr>
+            <p:ph type="sldImg" idx="2"/>
+          </p:nvPr>
+        </p:nvSpPr>
+        <p:spPr>
+          <a:xfrm>
+            <a:off x="685800" y="1143000"/>
+            <a:ext cx="5486400" cy="3086100"/>
+          </a:xfrm>
+          <a:prstGeom prst="rect">
+            <a:avLst/>
+          </a:prstGeom>
+          <a:noFill/>
+          <a:ln w="12700">
+            <a:solidFill>
+              <a:prstClr val="black"/>
+            </a:solidFill>
+          </a:ln>
+        </p:spPr>
+        <p:txBody>
+          <a:bodyPr vert="horz" lIns="91440" tIns="45720" rIns="91440" bIns="45720" rtlCol="0" anchor="ctr"/>
+          <a:lstStyle/>
+          <a:p>
+            <a:endParaRPr lang="en-US"/>
+          </a:p>
+        </p:txBody>
+      </p:sp>
+      <p:sp>
+        <p:nvSpPr>
+          <p:cNvPr id="5" name="Notes Placeholder 4"/>
+          <p:cNvSpPr>
+            <a:spLocks noGrp="1"/>
+          </p:cNvSpPr>
+          <p:nvPr>
+            <p:ph type="body" sz="quarter" idx="3"/>
+          </p:nvPr>
+        </p:nvSpPr>
+        <p:spPr>
+          <a:xfrm>
+            <a:off x="685800" y="4400550"/>
+            <a:ext cx="5486400" cy="3600450"/>
+          </a:xfrm>
+          <a:prstGeom prst="rect">
+            <a:avLst/>
+          </a:prstGeom>
+        </p:spPr>
+        <p:txBody>
+          <a:bodyPr vert="horz" lIns="91440" tIns="45720" rIns="91440" bIns="45720" rtlCol="0"/>
+          <a:lstStyle/>
+          <a:p>
+            <a:pPr lvl="0"/>
+            <a:r>
+              <a:rPr lang="en-US"/>
+              <a:t>Click to edit Master text styles</a:t>
+            </a:r>
+          </a:p>
+          <a:p>
+            <a:pPr lvl="1"/>
+            <a:r>
+              <a:rPr lang="en-US"/>
+              <a:t>Second level</a:t>
+            </a:r>
+          </a:p>
+          <a:p>
+            <a:pPr lvl="2"/>
+            <a:r>
+              <a:rPr lang="en-US"/>
+              <a:t>Third level</a:t>
+            </a:r>
+          </a:p>
+          <a:p>
+            <a:pPr lvl="3"/>
+            <a:r>
+              <a:rPr lang="en-US"/>
+              <a:t>Fourth level</a:t>
+            </a:r>
+          </a:p>
+          <a:p>
+            <a:pPr lvl="4"/>
+            <a:r>
+              <a:rPr lang="en-US"/>
+              <a:t>Fifth level</a:t>
+            </a:r>
+          </a:p>
+        </p:txBody>
+      </p:sp>
+      <p:sp>
+        <p:nvSpPr>
+          <p:cNvPr id="6" name="Footer Placeholder 5"/>
+          <p:cNvSpPr>
+            <a:spLocks noGrp="1"/>
+          </p:cNvSpPr>
+          <p:nvPr>
+            <p:ph type="ftr" sz="quarter" idx="4"/>
+          </p:nvPr>
+        </p:nvSpPr>
+        <p:spPr>
+          <a:xfrm>
+            <a:off x="0" y="8685213"/>
+            <a:ext cx="2971800" cy="458787"/>
+          </a:xfrm>
+          <a:prstGeom prst="rect">
+            <a:avLst/>
+          </a:prstGeom>
+        </p:spPr>
+        <p:txBody>
+          <a:bodyPr vert="horz" lIns="91440" tIns="45720" rIns="91440" bIns="45720" rtlCol="0" anchor="b"/>
+          <a:lstStyle>
+            <a:lvl1pPr algn="l">
+              <a:defRPr sz="1200"/>
+            </a:lvl1pPr>
+          </a:lstStyle>
+          <a:p>
+            <a:endParaRPr lang="en-US"/>
+          </a:p>
+        </p:txBody>
+      </p:sp>
+      <p:sp>
+        <p:nvSpPr>
+          <p:cNvPr id="7" name="Slide Number Placeholder 6"/>
+          <p:cNvSpPr>
+            <a:spLocks noGrp="1"/>
+          </p:cNvSpPr>
+          <p:nvPr>
+            <p:ph type="sldNum" sz="quarter" idx="5"/>
+          </p:nvPr>
+        </p:nvSpPr>
+        <p:spPr>
+          <a:xfrm>
+            <a:off x="3884613" y="8685213"/>
+            <a:ext cx="2971800" cy="458787"/>
+          </a:xfrm>
+          <a:prstGeom prst="rect">
+            <a:avLst/>
+          </a:prstGeom>
+        </p:spPr>
+        <p:txBody>
+          <a:bodyPr vert="horz" lIns="91440" tIns="45720" rIns="91440" bIns="45720" rtlCol="0" anchor="b"/>
+          <a:lstStyle>
+            <a:lvl1pPr algn="r">
+              <a:defRPr sz="1200"/>
+            </a:lvl1pPr>
+          </a:lstStyle>
+          <a:p>
+            <a:fld id="{E6220AC0-B02B-443F-8A64-08D3E8184976}" type="slidenum">
+              <a:rPr lang="en-US" smtClean="0"/>
+              <a:t>‹#›</a:t>
+            </a:fld>
+            <a:endParaRPr lang="en-US"/>
+          </a:p>
+        </p:txBody>
+      </p:sp>
+    </p:spTree>
+    <p:extLst>
+      <p:ext uri="{BB962C8B-B14F-4D97-AF65-F5344CB8AC3E}">
+        <p14:creationId xmlns:p14="http://schemas.microsoft.com/office/powerpoint/2010/main" val="1405568314"/>
+      </p:ext>
+    </p:extLst>
+  </p:cSld>
+  <p:clrMap bg1="lt1" tx1="dk1" bg2="lt2" tx2="dk2" accent1="accent1" accent2="accent2" accent3="accent3" accent4="accent4" accent5="accent5" accent6="accent6" hlink="hlink" folHlink="folHlink"/>
+  <p:notesStyle>
+    <a:lvl1pPr marL="0" algn="l" defTabSz="914400" rtl="0" eaLnBrk="1" latinLnBrk="0" hangingPunct="1">
+      <a:defRPr sz="1200" kern="1200">
+        <a:solidFill>
+          <a:schemeClr val="tx1"/>
+        </a:solidFill>
+        <a:latin typeface="+mn-lt"/>
+        <a:ea typeface="+mn-ea"/>
+        <a:cs typeface="+mn-cs"/>
+      </a:defRPr>
+    </a:lvl1pPr>
+    <a:lvl2pPr marL="457200" algn="l" defTabSz="914400" rtl="0" eaLnBrk="1" latinLnBrk="0" hangingPunct="1">
+      <a:defRPr sz="1200" kern="1200">
+        <a:solidFill>
+          <a:schemeClr val="tx1"/>
+        </a:solidFill>
+        <a:latin typeface="+mn-lt"/>
+        <a:ea typeface="+mn-ea"/>
+        <a:cs typeface="+mn-cs"/>
+      </a:defRPr>
+    </a:lvl2pPr>
+    <a:lvl3pPr marL="914400" algn="l" defTabSz="914400" rtl="0" eaLnBrk="1" latinLnBrk="0" hangingPunct="1">
+      <a:defRPr sz="1200" kern="1200">
+        <a:solidFill>
+          <a:schemeClr val="tx1"/>
+        </a:solidFill>
+        <a:latin typeface="+mn-lt"/>
+        <a:ea typeface="+mn-ea"/>
+        <a:cs typeface="+mn-cs"/>
+      </a:defRPr>
+    </a:lvl3pPr>
+    <a:lvl4pPr marL="1371600" algn="l" defTabSz="914400" rtl="0" eaLnBrk="1" latinLnBrk="0" hangingPunct="1">
+      <a:defRPr sz="1200" kern="1200">
+        <a:solidFill>
+          <a:schemeClr val="tx1"/>
+        </a:solidFill>
+        <a:latin typeface="+mn-lt"/>
+        <a:ea typeface="+mn-ea"/>
+        <a:cs typeface="+mn-cs"/>
+      </a:defRPr>
+    </a:lvl4pPr>
+    <a:lvl5pPr marL="1828800" algn="l" defTabSz="914400" rtl="0" eaLnBrk="1" latinLnBrk="0" hangingPunct="1">
+      <a:defRPr sz="1200" kern="1200">
+        <a:solidFill>
+          <a:schemeClr val="tx1"/>
+        </a:solidFill>
+        <a:latin typeface="+mn-lt"/>
+        <a:ea typeface="+mn-ea"/>
+        <a:cs typeface="+mn-cs"/>
+      </a:defRPr>
+    </a:lvl5pPr>
+    <a:lvl6pPr marL="2286000" algn="l" defTabSz="914400" rtl="0" eaLnBrk="1" latinLnBrk="0" hangingPunct="1">
+      <a:defRPr sz="1200" kern="1200">
+        <a:solidFill>
+          <a:schemeClr val="tx1"/>
+        </a:solidFill>
+        <a:latin typeface="+mn-lt"/>
+        <a:ea typeface="+mn-ea"/>
+        <a:cs typeface="+mn-cs"/>
+      </a:defRPr>
+    </a:lvl6pPr>
+    <a:lvl7pPr marL="2743200" algn="l" defTabSz="914400" rtl="0" eaLnBrk="1" latinLnBrk="0" hangingPunct="1">
+      <a:defRPr sz="1200" kern="1200">
+        <a:solidFill>
+          <a:schemeClr val="tx1"/>
+        </a:solidFill>
+        <a:latin typeface="+mn-lt"/>
+        <a:ea typeface="+mn-ea"/>
+        <a:cs typeface="+mn-cs"/>
+      </a:defRPr>
+    </a:lvl7pPr>
+    <a:lvl8pPr marL="3200400" algn="l" defTabSz="914400" rtl="0" eaLnBrk="1" latinLnBrk="0" hangingPunct="1">
+      <a:defRPr sz="1200" kern="1200">
+        <a:solidFill>
+          <a:schemeClr val="tx1"/>
+        </a:solidFill>
+        <a:latin typeface="+mn-lt"/>
+        <a:ea typeface="+mn-ea"/>
+        <a:cs typeface="+mn-cs"/>
+      </a:defRPr>
+    </a:lvl8pPr>
+    <a:lvl9pPr marL="3657600" algn="l" defTabSz="914400" rtl="0" eaLnBrk="1" latinLnBrk="0" hangingPunct="1">
+      <a:defRPr sz="1200" kern="1200">
+        <a:solidFill>
+          <a:schemeClr val="tx1"/>
+        </a:solidFill>
+        <a:latin typeface="+mn-lt"/>
+        <a:ea typeface="+mn-ea"/>
+        <a:cs typeface="+mn-cs"/>
+      </a:defRPr>
+    </a:lvl9pPr>
+  </p:notesStyle>
+</p:notesMaster>
+</file>
+
+<file path=ppt/notesSlides/notesSlide1.xml><?xml version="1.0" encoding="utf-8"?>
+<p:notes xmlns:a="http://schemas.openxmlformats.org/drawingml/2006/main" xmlns:r="http://schemas.openxmlformats.org/officeDocument/2006/relationships" xmlns:p="http://schemas.openxmlformats.org/presentationml/2006/main">
+  <p:cSld>
+    <p:spTree>
+      <p:nvGrpSpPr>
+        <p:cNvPr id="1" name=""/>
+        <p:cNvGrpSpPr/>
+        <p:nvPr/>
+      </p:nvGrpSpPr>
+      <p:grpSpPr>
+        <a:xfrm>
+          <a:off x="0" y="0"/>
+          <a:ext cx="0" cy="0"/>
+          <a:chOff x="0" y="0"/>
+          <a:chExt cx="0" cy="0"/>
+        </a:xfrm>
+      </p:grpSpPr>
+      <p:sp>
+        <p:nvSpPr>
+          <p:cNvPr id="2" name="Slide Image Placeholder 1"/>
+          <p:cNvSpPr>
+            <a:spLocks noGrp="1" noRot="1" noChangeAspect="1"/>
+          </p:cNvSpPr>
+          <p:nvPr>
+            <p:ph type="sldImg"/>
+          </p:nvPr>
+        </p:nvSpPr>
+        <p:spPr/>
+      </p:sp>
+      <p:sp>
+        <p:nvSpPr>
+          <p:cNvPr id="3" name="Notes Placeholder 2"/>
+          <p:cNvSpPr>
+            <a:spLocks noGrp="1"/>
+          </p:cNvSpPr>
+          <p:nvPr>
+            <p:ph type="body" idx="1"/>
+          </p:nvPr>
+        </p:nvSpPr>
+        <p:spPr/>
+        <p:txBody>
+          <a:bodyPr/>
+          <a:lstStyle/>
+          <a:p>
+            <a:endParaRPr lang="en-US" dirty="0"/>
+          </a:p>
+        </p:txBody>
+      </p:sp>
+      <p:sp>
+        <p:nvSpPr>
+          <p:cNvPr id="4" name="Slide Number Placeholder 3"/>
+          <p:cNvSpPr>
+            <a:spLocks noGrp="1"/>
+          </p:cNvSpPr>
+          <p:nvPr>
+            <p:ph type="sldNum" sz="quarter" idx="5"/>
+          </p:nvPr>
+        </p:nvSpPr>
+        <p:spPr/>
+        <p:txBody>
+          <a:bodyPr/>
+          <a:lstStyle/>
+          <a:p>
+            <a:fld id="{E6220AC0-B02B-443F-8A64-08D3E8184976}" type="slidenum">
+              <a:rPr lang="en-US" smtClean="0"/>
+              <a:t>10</a:t>
+            </a:fld>
+            <a:endParaRPr lang="en-US"/>
+          </a:p>
+        </p:txBody>
+      </p:sp>
+    </p:spTree>
+    <p:extLst>
+      <p:ext uri="{BB962C8B-B14F-4D97-AF65-F5344CB8AC3E}">
+        <p14:creationId xmlns:p14="http://schemas.microsoft.com/office/powerpoint/2010/main" val="1824826301"/>
+      </p:ext>
+    </p:extLst>
+  </p:cSld>
+  <p:clrMapOvr>
+    <a:masterClrMapping/>
+  </p:clrMapOvr>
+</p:notes>
+</file>
+
+<file path=ppt/notesSlides/notesSlide2.xml><?xml version="1.0" encoding="utf-8"?>
+<p:notes xmlns:a="http://schemas.openxmlformats.org/drawingml/2006/main" xmlns:r="http://schemas.openxmlformats.org/officeDocument/2006/relationships" xmlns:p="http://schemas.openxmlformats.org/presentationml/2006/main">
+  <p:cSld>
+    <p:spTree>
+      <p:nvGrpSpPr>
+        <p:cNvPr id="1" name=""/>
+        <p:cNvGrpSpPr/>
+        <p:nvPr/>
+      </p:nvGrpSpPr>
+      <p:grpSpPr>
+        <a:xfrm>
+          <a:off x="0" y="0"/>
+          <a:ext cx="0" cy="0"/>
+          <a:chOff x="0" y="0"/>
+          <a:chExt cx="0" cy="0"/>
+        </a:xfrm>
+      </p:grpSpPr>
+      <p:sp>
+        <p:nvSpPr>
+          <p:cNvPr id="2" name="Slide Image Placeholder 1"/>
+          <p:cNvSpPr>
+            <a:spLocks noGrp="1" noRot="1" noChangeAspect="1"/>
+          </p:cNvSpPr>
+          <p:nvPr>
+            <p:ph type="sldImg"/>
+          </p:nvPr>
+        </p:nvSpPr>
+        <p:spPr/>
+      </p:sp>
+      <p:sp>
+        <p:nvSpPr>
+          <p:cNvPr id="3" name="Notes Placeholder 2"/>
+          <p:cNvSpPr>
+            <a:spLocks noGrp="1"/>
+          </p:cNvSpPr>
+          <p:nvPr>
+            <p:ph type="body" idx="1"/>
+          </p:nvPr>
+        </p:nvSpPr>
+        <p:spPr/>
+        <p:txBody>
+          <a:bodyPr/>
+          <a:lstStyle/>
+          <a:p>
+            <a:r>
+              <a:rPr lang="en-US" sz="1200" b="0" i="0" kern="1200" dirty="0">
+                <a:solidFill>
+                  <a:schemeClr val="tx1"/>
+                </a:solidFill>
+                <a:effectLst/>
+                <a:latin typeface="+mn-lt"/>
+                <a:ea typeface="+mn-ea"/>
+                <a:cs typeface="+mn-cs"/>
+              </a:rPr>
+              <a:t>On this slide, we introduce the deployment study of </a:t>
+            </a:r>
+            <a:r>
+              <a:rPr lang="en-US" sz="1200" b="0" i="0" kern="1200" dirty="0" err="1">
+                <a:solidFill>
+                  <a:schemeClr val="tx1"/>
+                </a:solidFill>
+                <a:effectLst/>
+                <a:latin typeface="+mn-lt"/>
+                <a:ea typeface="+mn-ea"/>
+                <a:cs typeface="+mn-cs"/>
+              </a:rPr>
+              <a:t>AACessTalk</a:t>
+            </a:r>
+            <a:r>
+              <a:rPr lang="en-US" sz="1200" b="0" i="0" kern="1200" dirty="0">
+                <a:solidFill>
+                  <a:schemeClr val="tx1"/>
+                </a:solidFill>
+                <a:effectLst/>
+                <a:latin typeface="+mn-lt"/>
+                <a:ea typeface="+mn-ea"/>
+                <a:cs typeface="+mn-cs"/>
+              </a:rPr>
+              <a:t>. The study involved 11 parent-child dyads, mostly minimally verbal autistic children and their parents. They used </a:t>
+            </a:r>
+            <a:r>
+              <a:rPr lang="en-US" sz="1200" b="0" i="0" kern="1200" dirty="0" err="1">
+                <a:solidFill>
+                  <a:schemeClr val="tx1"/>
+                </a:solidFill>
+                <a:effectLst/>
+                <a:latin typeface="+mn-lt"/>
+                <a:ea typeface="+mn-ea"/>
+                <a:cs typeface="+mn-cs"/>
+              </a:rPr>
+              <a:t>AACessTalk</a:t>
+            </a:r>
+            <a:r>
+              <a:rPr lang="en-US" sz="1200" b="0" i="0" kern="1200" dirty="0">
+                <a:solidFill>
+                  <a:schemeClr val="tx1"/>
+                </a:solidFill>
+                <a:effectLst/>
+                <a:latin typeface="+mn-lt"/>
+                <a:ea typeface="+mn-ea"/>
+                <a:cs typeface="+mn-cs"/>
+              </a:rPr>
+              <a:t> over a two-week period in their natural home environment, aiming to assess how well the system supports everyday communication</a:t>
+            </a:r>
+            <a:endParaRPr lang="en-US" dirty="0"/>
+          </a:p>
+        </p:txBody>
+      </p:sp>
+      <p:sp>
+        <p:nvSpPr>
+          <p:cNvPr id="4" name="Slide Number Placeholder 3"/>
+          <p:cNvSpPr>
+            <a:spLocks noGrp="1"/>
+          </p:cNvSpPr>
+          <p:nvPr>
+            <p:ph type="sldNum" sz="quarter" idx="5"/>
+          </p:nvPr>
+        </p:nvSpPr>
+        <p:spPr/>
+        <p:txBody>
+          <a:bodyPr/>
+          <a:lstStyle/>
+          <a:p>
+            <a:fld id="{E6220AC0-B02B-443F-8A64-08D3E8184976}" type="slidenum">
+              <a:rPr lang="en-US" smtClean="0"/>
+              <a:t>11</a:t>
+            </a:fld>
+            <a:endParaRPr lang="en-US"/>
+          </a:p>
+        </p:txBody>
+      </p:sp>
+    </p:spTree>
+    <p:extLst>
+      <p:ext uri="{BB962C8B-B14F-4D97-AF65-F5344CB8AC3E}">
+        <p14:creationId xmlns:p14="http://schemas.microsoft.com/office/powerpoint/2010/main" val="1898417732"/>
+      </p:ext>
+    </p:extLst>
+  </p:cSld>
+  <p:clrMapOvr>
+    <a:masterClrMapping/>
+  </p:clrMapOvr>
+</p:notes>
+</file>
+
+<file path=ppt/notesSlides/notesSlide3.xml><?xml version="1.0" encoding="utf-8"?>
+<p:notes xmlns:a="http://schemas.openxmlformats.org/drawingml/2006/main" xmlns:r="http://schemas.openxmlformats.org/officeDocument/2006/relationships" xmlns:p="http://schemas.openxmlformats.org/presentationml/2006/main">
+  <p:cSld>
+    <p:spTree>
+      <p:nvGrpSpPr>
+        <p:cNvPr id="1" name=""/>
+        <p:cNvGrpSpPr/>
+        <p:nvPr/>
+      </p:nvGrpSpPr>
+      <p:grpSpPr>
+        <a:xfrm>
+          <a:off x="0" y="0"/>
+          <a:ext cx="0" cy="0"/>
+          <a:chOff x="0" y="0"/>
+          <a:chExt cx="0" cy="0"/>
+        </a:xfrm>
+      </p:grpSpPr>
+      <p:sp>
+        <p:nvSpPr>
+          <p:cNvPr id="2" name="Slide Image Placeholder 1"/>
+          <p:cNvSpPr>
+            <a:spLocks noGrp="1" noRot="1" noChangeAspect="1"/>
+          </p:cNvSpPr>
+          <p:nvPr>
+            <p:ph type="sldImg"/>
+          </p:nvPr>
+        </p:nvSpPr>
+        <p:spPr/>
+      </p:sp>
+      <p:sp>
+        <p:nvSpPr>
+          <p:cNvPr id="3" name="Notes Placeholder 2"/>
+          <p:cNvSpPr>
+            <a:spLocks noGrp="1"/>
+          </p:cNvSpPr>
+          <p:nvPr>
+            <p:ph type="body" idx="1"/>
+          </p:nvPr>
+        </p:nvSpPr>
+        <p:spPr/>
+        <p:txBody>
+          <a:bodyPr/>
+          <a:lstStyle/>
+          <a:p>
+            <a:r>
+              <a:rPr lang="en-US" sz="1200" b="0" i="0" kern="1200" dirty="0">
+                <a:solidFill>
+                  <a:schemeClr val="tx1"/>
+                </a:solidFill>
+                <a:effectLst/>
+                <a:latin typeface="+mn-lt"/>
+                <a:ea typeface="+mn-ea"/>
+                <a:cs typeface="+mn-cs"/>
+              </a:rPr>
+              <a:t>Next, we explore parents’ experiences with </a:t>
+            </a:r>
+            <a:r>
+              <a:rPr lang="en-US" sz="1200" b="0" i="0" kern="1200" dirty="0" err="1">
+                <a:solidFill>
+                  <a:schemeClr val="tx1"/>
+                </a:solidFill>
+                <a:effectLst/>
+                <a:latin typeface="+mn-lt"/>
+                <a:ea typeface="+mn-ea"/>
+                <a:cs typeface="+mn-cs"/>
+              </a:rPr>
+              <a:t>AACessTalk</a:t>
+            </a:r>
+            <a:r>
+              <a:rPr lang="en-US" sz="1200" b="0" i="0" kern="1200" dirty="0">
+                <a:solidFill>
+                  <a:schemeClr val="tx1"/>
+                </a:solidFill>
+                <a:effectLst/>
+                <a:latin typeface="+mn-lt"/>
+                <a:ea typeface="+mn-ea"/>
+                <a:cs typeface="+mn-cs"/>
+              </a:rPr>
+              <a:t>. Parents reported feeling less pressure to conduct ‘perfect’ conversations, allowing them to focus on being more empathetic and reflective. The real-time feedback was particularly appreciated for helping parents adjust their communication style dynamically."</a:t>
+            </a:r>
+            <a:endParaRPr lang="en-US" dirty="0"/>
+          </a:p>
+        </p:txBody>
+      </p:sp>
+      <p:sp>
+        <p:nvSpPr>
+          <p:cNvPr id="4" name="Slide Number Placeholder 3"/>
+          <p:cNvSpPr>
+            <a:spLocks noGrp="1"/>
+          </p:cNvSpPr>
+          <p:nvPr>
+            <p:ph type="sldNum" sz="quarter" idx="5"/>
+          </p:nvPr>
+        </p:nvSpPr>
+        <p:spPr/>
+        <p:txBody>
+          <a:bodyPr/>
+          <a:lstStyle/>
+          <a:p>
+            <a:fld id="{E6220AC0-B02B-443F-8A64-08D3E8184976}" type="slidenum">
+              <a:rPr lang="en-US" smtClean="0"/>
+              <a:t>12</a:t>
+            </a:fld>
+            <a:endParaRPr lang="en-US"/>
+          </a:p>
+        </p:txBody>
+      </p:sp>
+    </p:spTree>
+    <p:extLst>
+      <p:ext uri="{BB962C8B-B14F-4D97-AF65-F5344CB8AC3E}">
+        <p14:creationId xmlns:p14="http://schemas.microsoft.com/office/powerpoint/2010/main" val="3597689470"/>
+      </p:ext>
+    </p:extLst>
+  </p:cSld>
+  <p:clrMapOvr>
+    <a:masterClrMapping/>
+  </p:clrMapOvr>
+</p:notes>
+</file>
+
+<file path=ppt/notesSlides/notesSlide4.xml><?xml version="1.0" encoding="utf-8"?>
+<p:notes xmlns:a="http://schemas.openxmlformats.org/drawingml/2006/main" xmlns:r="http://schemas.openxmlformats.org/officeDocument/2006/relationships" xmlns:p="http://schemas.openxmlformats.org/presentationml/2006/main">
+  <p:cSld>
+    <p:spTree>
+      <p:nvGrpSpPr>
+        <p:cNvPr id="1" name=""/>
+        <p:cNvGrpSpPr/>
+        <p:nvPr/>
+      </p:nvGrpSpPr>
+      <p:grpSpPr>
+        <a:xfrm>
+          <a:off x="0" y="0"/>
+          <a:ext cx="0" cy="0"/>
+          <a:chOff x="0" y="0"/>
+          <a:chExt cx="0" cy="0"/>
+        </a:xfrm>
+      </p:grpSpPr>
+      <p:sp>
+        <p:nvSpPr>
+          <p:cNvPr id="2" name="Slide Image Placeholder 1"/>
+          <p:cNvSpPr>
+            <a:spLocks noGrp="1" noRot="1" noChangeAspect="1"/>
+          </p:cNvSpPr>
+          <p:nvPr>
+            <p:ph type="sldImg"/>
+          </p:nvPr>
+        </p:nvSpPr>
+        <p:spPr/>
+      </p:sp>
+      <p:sp>
+        <p:nvSpPr>
+          <p:cNvPr id="3" name="Notes Placeholder 2"/>
+          <p:cNvSpPr>
+            <a:spLocks noGrp="1"/>
+          </p:cNvSpPr>
+          <p:nvPr>
+            <p:ph type="body" idx="1"/>
+          </p:nvPr>
+        </p:nvSpPr>
+        <p:spPr/>
+        <p:txBody>
+          <a:bodyPr/>
+          <a:lstStyle/>
+          <a:p>
+            <a:r>
+              <a:rPr lang="en-US" dirty="0"/>
+              <a:t>Now let’s take a look at some of the key weaknesses identified in our evaluation.</a:t>
+            </a:r>
+          </a:p>
+          <a:p>
+            <a:r>
+              <a:rPr lang="en-US" dirty="0"/>
+              <a:t>First, we noticed issues with the </a:t>
+            </a:r>
+            <a:r>
+              <a:rPr lang="en-US" b="1" dirty="0"/>
+              <a:t>accuracy and cultural relevance of AI outputs</a:t>
+            </a:r>
+            <a:r>
+              <a:rPr lang="en-US" dirty="0"/>
+              <a:t>. Many parents gave lower ratings, particularly because the recommended words and symbols didn’t always align with Korean cultural context.</a:t>
+            </a:r>
+          </a:p>
+          <a:p>
+            <a:r>
+              <a:rPr lang="en-US" dirty="0"/>
+              <a:t>Second, there’s a clear </a:t>
+            </a:r>
+            <a:r>
+              <a:rPr lang="en-US" b="1" dirty="0"/>
+              <a:t>need for deeper personalization</a:t>
+            </a:r>
+            <a:r>
+              <a:rPr lang="en-US" dirty="0"/>
+              <a:t>. Parents emphasized the importance of more individualized AAC recommendations—ones that truly reflect their child’s unique cognitive and developmental stages, as well as their daily routines and events.</a:t>
+            </a:r>
+          </a:p>
+          <a:p>
+            <a:r>
+              <a:rPr lang="en-US" dirty="0"/>
+              <a:t>These weaknesses highlight important areas for future improvement, especially in making AI more adaptive and culturally aware.</a:t>
+            </a:r>
+          </a:p>
+          <a:p>
+            <a:endParaRPr lang="en-US" dirty="0"/>
+          </a:p>
+        </p:txBody>
+      </p:sp>
+      <p:sp>
+        <p:nvSpPr>
+          <p:cNvPr id="4" name="Slide Number Placeholder 3"/>
+          <p:cNvSpPr>
+            <a:spLocks noGrp="1"/>
+          </p:cNvSpPr>
+          <p:nvPr>
+            <p:ph type="sldNum" sz="quarter" idx="5"/>
+          </p:nvPr>
+        </p:nvSpPr>
+        <p:spPr/>
+        <p:txBody>
+          <a:bodyPr/>
+          <a:lstStyle/>
+          <a:p>
+            <a:fld id="{E6220AC0-B02B-443F-8A64-08D3E8184976}" type="slidenum">
+              <a:rPr lang="en-US" smtClean="0"/>
+              <a:t>13</a:t>
+            </a:fld>
+            <a:endParaRPr lang="en-US"/>
+          </a:p>
+        </p:txBody>
+      </p:sp>
+    </p:spTree>
+    <p:extLst>
+      <p:ext uri="{BB962C8B-B14F-4D97-AF65-F5344CB8AC3E}">
+        <p14:creationId xmlns:p14="http://schemas.microsoft.com/office/powerpoint/2010/main" val="3802043577"/>
+      </p:ext>
+    </p:extLst>
+  </p:cSld>
+  <p:clrMapOvr>
+    <a:masterClrMapping/>
+  </p:clrMapOvr>
+</p:notes>
+</file>
+
+<file path=ppt/notesSlides/notesSlide5.xml><?xml version="1.0" encoding="utf-8"?>
+<p:notes xmlns:a="http://schemas.openxmlformats.org/drawingml/2006/main" xmlns:r="http://schemas.openxmlformats.org/officeDocument/2006/relationships" xmlns:p="http://schemas.openxmlformats.org/presentationml/2006/main">
+  <p:cSld>
+    <p:spTree>
+      <p:nvGrpSpPr>
+        <p:cNvPr id="1" name=""/>
+        <p:cNvGrpSpPr/>
+        <p:nvPr/>
+      </p:nvGrpSpPr>
+      <p:grpSpPr>
+        <a:xfrm>
+          <a:off x="0" y="0"/>
+          <a:ext cx="0" cy="0"/>
+          <a:chOff x="0" y="0"/>
+          <a:chExt cx="0" cy="0"/>
+        </a:xfrm>
+      </p:grpSpPr>
+      <p:sp>
+        <p:nvSpPr>
+          <p:cNvPr id="2" name="Slide Image Placeholder 1"/>
+          <p:cNvSpPr>
+            <a:spLocks noGrp="1" noRot="1" noChangeAspect="1"/>
+          </p:cNvSpPr>
+          <p:nvPr>
+            <p:ph type="sldImg"/>
+          </p:nvPr>
+        </p:nvSpPr>
+        <p:spPr/>
+      </p:sp>
+      <p:sp>
+        <p:nvSpPr>
+          <p:cNvPr id="3" name="Notes Placeholder 2"/>
+          <p:cNvSpPr>
+            <a:spLocks noGrp="1"/>
+          </p:cNvSpPr>
+          <p:nvPr>
+            <p:ph type="body" idx="1"/>
+          </p:nvPr>
+        </p:nvSpPr>
+        <p:spPr/>
+        <p:txBody>
+          <a:bodyPr/>
+          <a:lstStyle/>
+          <a:p>
+            <a:r>
+              <a:rPr lang="en-US" dirty="0"/>
+              <a:t>Continuing with the weaknesses, two additional concerns were identified:</a:t>
+            </a:r>
+          </a:p>
+          <a:p>
+            <a:r>
+              <a:rPr lang="en-US" dirty="0"/>
+              <a:t>First, they faced a </a:t>
+            </a:r>
+            <a:r>
+              <a:rPr lang="en-US" b="1" dirty="0"/>
+              <a:t>limited generalizability of participants</a:t>
+            </a:r>
+            <a:r>
+              <a:rPr lang="en-US" dirty="0"/>
+              <a:t>. Since the participants were recruited through a single expert, the sample may not represent the wider MVA population with varying backgrounds. This limits how broadly we can apply the findings.</a:t>
+            </a:r>
+          </a:p>
+          <a:p>
+            <a:r>
+              <a:rPr lang="en-US" dirty="0"/>
+              <a:t>Second, there's the </a:t>
+            </a:r>
+            <a:r>
+              <a:rPr lang="en-US" b="1" dirty="0"/>
+              <a:t>risk of parental over-imposition</a:t>
+            </a:r>
+            <a:r>
+              <a:rPr lang="en-US" dirty="0"/>
+              <a:t>. In the early stages, some parents physically guided their children’s hands to use the tool. While well-intentioned, this sometimes-caused resistance from the child and reduced engagement. It shows the importance of letting the child take the lead to ensure authentic interaction.</a:t>
+            </a:r>
+          </a:p>
+          <a:p>
+            <a:endParaRPr lang="en-US" dirty="0"/>
+          </a:p>
+        </p:txBody>
+      </p:sp>
+      <p:sp>
+        <p:nvSpPr>
+          <p:cNvPr id="4" name="Slide Number Placeholder 3"/>
+          <p:cNvSpPr>
+            <a:spLocks noGrp="1"/>
+          </p:cNvSpPr>
+          <p:nvPr>
+            <p:ph type="sldNum" sz="quarter" idx="5"/>
+          </p:nvPr>
+        </p:nvSpPr>
+        <p:spPr/>
+        <p:txBody>
+          <a:bodyPr/>
+          <a:lstStyle/>
+          <a:p>
+            <a:fld id="{E6220AC0-B02B-443F-8A64-08D3E8184976}" type="slidenum">
+              <a:rPr lang="en-US" smtClean="0"/>
+              <a:t>14</a:t>
+            </a:fld>
+            <a:endParaRPr lang="en-US"/>
+          </a:p>
+        </p:txBody>
+      </p:sp>
+    </p:spTree>
+    <p:extLst>
+      <p:ext uri="{BB962C8B-B14F-4D97-AF65-F5344CB8AC3E}">
+        <p14:creationId xmlns:p14="http://schemas.microsoft.com/office/powerpoint/2010/main" val="495858650"/>
+      </p:ext>
+    </p:extLst>
+  </p:cSld>
+  <p:clrMapOvr>
+    <a:masterClrMapping/>
+  </p:clrMapOvr>
+</p:notes>
+</file>
+
+<file path=ppt/notesSlides/notesSlide6.xml><?xml version="1.0" encoding="utf-8"?>
+<p:notes xmlns:a="http://schemas.openxmlformats.org/drawingml/2006/main" xmlns:r="http://schemas.openxmlformats.org/officeDocument/2006/relationships" xmlns:p="http://schemas.openxmlformats.org/presentationml/2006/main">
+  <p:cSld>
+    <p:spTree>
+      <p:nvGrpSpPr>
+        <p:cNvPr id="1" name=""/>
+        <p:cNvGrpSpPr/>
+        <p:nvPr/>
+      </p:nvGrpSpPr>
+      <p:grpSpPr>
+        <a:xfrm>
+          <a:off x="0" y="0"/>
+          <a:ext cx="0" cy="0"/>
+          <a:chOff x="0" y="0"/>
+          <a:chExt cx="0" cy="0"/>
+        </a:xfrm>
+      </p:grpSpPr>
+      <p:sp>
+        <p:nvSpPr>
+          <p:cNvPr id="2" name="Slide Image Placeholder 1"/>
+          <p:cNvSpPr>
+            <a:spLocks noGrp="1" noRot="1" noChangeAspect="1"/>
+          </p:cNvSpPr>
+          <p:nvPr>
+            <p:ph type="sldImg"/>
+          </p:nvPr>
+        </p:nvSpPr>
+        <p:spPr/>
+      </p:sp>
+      <p:sp>
+        <p:nvSpPr>
+          <p:cNvPr id="3" name="Notes Placeholder 2"/>
+          <p:cNvSpPr>
+            <a:spLocks noGrp="1"/>
+          </p:cNvSpPr>
+          <p:nvPr>
+            <p:ph type="body" idx="1"/>
+          </p:nvPr>
+        </p:nvSpPr>
+        <p:spPr/>
+        <p:txBody>
+          <a:bodyPr/>
+          <a:lstStyle/>
+          <a:p>
+            <a:r>
+              <a:rPr lang="en-US" dirty="0"/>
+              <a:t>In our discussion, we found that </a:t>
+            </a:r>
+            <a:r>
+              <a:rPr lang="en-US" b="1" dirty="0" err="1"/>
+              <a:t>AACessTalk</a:t>
+            </a:r>
+            <a:r>
+              <a:rPr lang="en-US" dirty="0"/>
+              <a:t> played a meaningful role in improving communication between minimally verbal autistic children and their parents.</a:t>
+            </a:r>
+          </a:p>
+          <a:p>
+            <a:r>
+              <a:rPr lang="en-US" dirty="0"/>
+              <a:t>The tool supported turn-taking and mutual engagement, giving parents structured guidance and helping them feel more confident and less pressured. It also encouraged parents to try new interaction strategies.</a:t>
+            </a:r>
+          </a:p>
+          <a:p>
+            <a:r>
+              <a:rPr lang="en-US" dirty="0"/>
+              <a:t>Children, in turn, were empowered to express themselves using vocabulary cards, and some even surprised their parents by imitating the AI voice.</a:t>
+            </a:r>
+          </a:p>
+          <a:p>
+            <a:r>
+              <a:rPr lang="en-US" dirty="0"/>
+              <a:t>Overall, the system not only boosted confidence but also helped shift perspectives—encouraging parents to see beyond traditional 'autism labels' and recognize their child's unique potential.</a:t>
+            </a:r>
+          </a:p>
+          <a:p>
+            <a:endParaRPr lang="en-US" dirty="0"/>
+          </a:p>
+        </p:txBody>
+      </p:sp>
+      <p:sp>
+        <p:nvSpPr>
+          <p:cNvPr id="4" name="Slide Number Placeholder 3"/>
+          <p:cNvSpPr>
+            <a:spLocks noGrp="1"/>
+          </p:cNvSpPr>
+          <p:nvPr>
+            <p:ph type="sldNum" sz="quarter" idx="5"/>
+          </p:nvPr>
+        </p:nvSpPr>
+        <p:spPr/>
+        <p:txBody>
+          <a:bodyPr/>
+          <a:lstStyle/>
+          <a:p>
+            <a:fld id="{E6220AC0-B02B-443F-8A64-08D3E8184976}" type="slidenum">
+              <a:rPr lang="en-US" smtClean="0"/>
+              <a:t>15</a:t>
+            </a:fld>
+            <a:endParaRPr lang="en-US"/>
+          </a:p>
+        </p:txBody>
+      </p:sp>
+    </p:spTree>
+    <p:extLst>
+      <p:ext uri="{BB962C8B-B14F-4D97-AF65-F5344CB8AC3E}">
+        <p14:creationId xmlns:p14="http://schemas.microsoft.com/office/powerpoint/2010/main" val="3671081659"/>
+      </p:ext>
+    </p:extLst>
+  </p:cSld>
+  <p:clrMapOvr>
+    <a:masterClrMapping/>
+  </p:clrMapOvr>
+</p:notes>
+</file>
+
+<file path=ppt/notesSlides/notesSlide7.xml><?xml version="1.0" encoding="utf-8"?>
+<p:notes xmlns:a="http://schemas.openxmlformats.org/drawingml/2006/main" xmlns:r="http://schemas.openxmlformats.org/officeDocument/2006/relationships" xmlns:p="http://schemas.openxmlformats.org/presentationml/2006/main">
+  <p:cSld>
+    <p:spTree>
+      <p:nvGrpSpPr>
+        <p:cNvPr id="1" name=""/>
+        <p:cNvGrpSpPr/>
+        <p:nvPr/>
+      </p:nvGrpSpPr>
+      <p:grpSpPr>
+        <a:xfrm>
+          <a:off x="0" y="0"/>
+          <a:ext cx="0" cy="0"/>
+          <a:chOff x="0" y="0"/>
+          <a:chExt cx="0" cy="0"/>
+        </a:xfrm>
+      </p:grpSpPr>
+      <p:sp>
+        <p:nvSpPr>
+          <p:cNvPr id="2" name="Slide Image Placeholder 1"/>
+          <p:cNvSpPr>
+            <a:spLocks noGrp="1" noRot="1" noChangeAspect="1"/>
+          </p:cNvSpPr>
+          <p:nvPr>
+            <p:ph type="sldImg"/>
+          </p:nvPr>
+        </p:nvSpPr>
+        <p:spPr/>
+      </p:sp>
+      <p:sp>
+        <p:nvSpPr>
+          <p:cNvPr id="3" name="Notes Placeholder 2"/>
+          <p:cNvSpPr>
+            <a:spLocks noGrp="1"/>
+          </p:cNvSpPr>
+          <p:nvPr>
+            <p:ph type="body" idx="1"/>
+          </p:nvPr>
+        </p:nvSpPr>
+        <p:spPr/>
+        <p:txBody>
+          <a:bodyPr/>
+          <a:lstStyle/>
+          <a:p>
+            <a:r>
+              <a:rPr lang="en-US" dirty="0"/>
+              <a:t>Now let’s move on to the discussion. While the study showed promising results, several key areas for improvement were identified.</a:t>
+            </a:r>
+          </a:p>
+          <a:p>
+            <a:r>
+              <a:rPr lang="en-US" b="1" dirty="0"/>
+              <a:t>First,</a:t>
+            </a:r>
+            <a:r>
+              <a:rPr lang="en-US" dirty="0"/>
+              <a:t> there's a need for more </a:t>
+            </a:r>
+            <a:r>
+              <a:rPr lang="en-US" i="1" dirty="0"/>
+              <a:t>personalization</a:t>
+            </a:r>
+            <a:r>
+              <a:rPr lang="en-US" dirty="0"/>
+              <a:t>. Parents expressed the desire for vocabulary recommendations tailored to their child’s unique developmental stage and daily experiences, which calls for ongoing assessment and analysis.</a:t>
+            </a:r>
+          </a:p>
+          <a:p>
+            <a:r>
+              <a:rPr lang="en-US" b="1" dirty="0"/>
+              <a:t>Second,</a:t>
+            </a:r>
+            <a:r>
+              <a:rPr lang="en-US" dirty="0"/>
+              <a:t> they must address </a:t>
+            </a:r>
+            <a:r>
+              <a:rPr lang="en-US" i="1" dirty="0"/>
+              <a:t>neurotypical bias</a:t>
+            </a:r>
+            <a:r>
+              <a:rPr lang="en-US" dirty="0"/>
+              <a:t>. Since the language models were trained on Western, neurotypical communication norms, there’s a risk of excluding or misrepresenting neurodiverse communication styles. Future research should incorporate more diverse datasets.</a:t>
+            </a:r>
+          </a:p>
+          <a:p>
+            <a:r>
+              <a:rPr lang="en-US" b="1" dirty="0"/>
+              <a:t>Third,</a:t>
+            </a:r>
+            <a:r>
+              <a:rPr lang="en-US" dirty="0"/>
+              <a:t> we noticed a lack of the </a:t>
+            </a:r>
+            <a:r>
+              <a:rPr lang="en-US" i="1" dirty="0"/>
+              <a:t>authentic child voice</a:t>
+            </a:r>
+            <a:r>
+              <a:rPr lang="en-US" dirty="0"/>
+              <a:t>. The study mostly relied on parental input, which underlines the importance of involving the children themselves in design and evaluation processes to better reflect their true intentions.</a:t>
+            </a:r>
+          </a:p>
+          <a:p>
+            <a:r>
+              <a:rPr lang="en-US" b="1" dirty="0"/>
+              <a:t>Fourth,</a:t>
+            </a:r>
+            <a:r>
+              <a:rPr lang="en-US" dirty="0"/>
+              <a:t> </a:t>
+            </a:r>
+            <a:r>
+              <a:rPr lang="en-US" i="1" dirty="0"/>
+              <a:t>generalizability</a:t>
+            </a:r>
+            <a:r>
+              <a:rPr lang="en-US" dirty="0"/>
+              <a:t> was limited. The study participants were selectively chosen, which means the findings may not apply to broader, more diverse populations.</a:t>
+            </a:r>
+          </a:p>
+          <a:p>
+            <a:r>
+              <a:rPr lang="en-US" b="1" dirty="0"/>
+              <a:t>And finally,</a:t>
+            </a:r>
+            <a:r>
+              <a:rPr lang="en-US" dirty="0"/>
+              <a:t> maintaining </a:t>
+            </a:r>
+            <a:r>
+              <a:rPr lang="en-US" i="1" dirty="0"/>
+              <a:t>long-term engagement</a:t>
+            </a:r>
+            <a:r>
+              <a:rPr lang="en-US" dirty="0"/>
+              <a:t> is a challenge. As children grow and their needs change, systems must be regularly updated and reassessed to stay relevant.</a:t>
+            </a:r>
+          </a:p>
+          <a:p>
+            <a:r>
+              <a:rPr lang="en-US" dirty="0"/>
+              <a:t>These findings highlight important directions for future work to create more inclusive and effective tools.</a:t>
+            </a:r>
+          </a:p>
+          <a:p>
+            <a:endParaRPr lang="en-US" dirty="0"/>
+          </a:p>
+        </p:txBody>
+      </p:sp>
+      <p:sp>
+        <p:nvSpPr>
+          <p:cNvPr id="4" name="Slide Number Placeholder 3"/>
+          <p:cNvSpPr>
+            <a:spLocks noGrp="1"/>
+          </p:cNvSpPr>
+          <p:nvPr>
+            <p:ph type="sldNum" sz="quarter" idx="5"/>
+          </p:nvPr>
+        </p:nvSpPr>
+        <p:spPr/>
+        <p:txBody>
+          <a:bodyPr/>
+          <a:lstStyle/>
+          <a:p>
+            <a:fld id="{E6220AC0-B02B-443F-8A64-08D3E8184976}" type="slidenum">
+              <a:rPr lang="en-US" smtClean="0"/>
+              <a:t>16</a:t>
+            </a:fld>
+            <a:endParaRPr lang="en-US"/>
+          </a:p>
+        </p:txBody>
+      </p:sp>
+    </p:spTree>
+    <p:extLst>
+      <p:ext uri="{BB962C8B-B14F-4D97-AF65-F5344CB8AC3E}">
+        <p14:creationId xmlns:p14="http://schemas.microsoft.com/office/powerpoint/2010/main" val="4006006055"/>
+      </p:ext>
+    </p:extLst>
+  </p:cSld>
+  <p:clrMapOvr>
+    <a:masterClrMapping/>
+  </p:clrMapOvr>
+</p:notes>
+</file>
+
 <file path=ppt/slideLayouts/slideLayout1.xml><?xml version="1.0" encoding="utf-8"?>
 <p:sldLayout xmlns:a="http://schemas.openxmlformats.org/drawingml/2006/main" xmlns:r="http://schemas.openxmlformats.org/officeDocument/2006/relationships" xmlns:p="http://schemas.openxmlformats.org/presentationml/2006/main" type="title" preserve="1">
   <p:cSld name="Title Slide">
@@ -275,7 +1519,7 @@
           <a:p>
             <a:fld id="{491A0BFF-052C-46F6-BDC1-3E6B35F8695E}" type="datetimeFigureOut">
               <a:rPr lang="en-US" smtClean="0"/>
-              <a:t>8/7/2025</a:t>
+              <a:t>08-Aug-25</a:t>
             </a:fld>
             <a:endParaRPr lang="en-US"/>
           </a:p>
@@ -473,7 +1717,7 @@
           <a:p>
             <a:fld id="{491A0BFF-052C-46F6-BDC1-3E6B35F8695E}" type="datetimeFigureOut">
               <a:rPr lang="en-US" smtClean="0"/>
-              <a:t>8/7/2025</a:t>
+              <a:t>08-Aug-25</a:t>
             </a:fld>
             <a:endParaRPr lang="en-US"/>
           </a:p>
@@ -681,7 +1925,7 @@
           <a:p>
             <a:fld id="{491A0BFF-052C-46F6-BDC1-3E6B35F8695E}" type="datetimeFigureOut">
               <a:rPr lang="en-US" smtClean="0"/>
-              <a:t>8/7/2025</a:t>
+              <a:t>08-Aug-25</a:t>
             </a:fld>
             <a:endParaRPr lang="en-US"/>
           </a:p>
@@ -879,7 +2123,7 @@
           <a:p>
             <a:fld id="{491A0BFF-052C-46F6-BDC1-3E6B35F8695E}" type="datetimeFigureOut">
               <a:rPr lang="en-US" smtClean="0"/>
-              <a:t>8/7/2025</a:t>
+              <a:t>08-Aug-25</a:t>
             </a:fld>
             <a:endParaRPr lang="en-US"/>
           </a:p>
@@ -1154,7 +2398,7 @@
           <a:p>
             <a:fld id="{491A0BFF-052C-46F6-BDC1-3E6B35F8695E}" type="datetimeFigureOut">
               <a:rPr lang="en-US" smtClean="0"/>
-              <a:t>8/7/2025</a:t>
+              <a:t>08-Aug-25</a:t>
             </a:fld>
             <a:endParaRPr lang="en-US"/>
           </a:p>
@@ -1419,7 +2663,7 @@
           <a:p>
             <a:fld id="{491A0BFF-052C-46F6-BDC1-3E6B35F8695E}" type="datetimeFigureOut">
               <a:rPr lang="en-US" smtClean="0"/>
-              <a:t>8/7/2025</a:t>
+              <a:t>08-Aug-25</a:t>
             </a:fld>
             <a:endParaRPr lang="en-US"/>
           </a:p>
@@ -1831,7 +3075,7 @@
           <a:p>
             <a:fld id="{491A0BFF-052C-46F6-BDC1-3E6B35F8695E}" type="datetimeFigureOut">
               <a:rPr lang="en-US" smtClean="0"/>
-              <a:t>8/7/2025</a:t>
+              <a:t>08-Aug-25</a:t>
             </a:fld>
             <a:endParaRPr lang="en-US"/>
           </a:p>
@@ -1972,7 +3216,7 @@
           <a:p>
             <a:fld id="{491A0BFF-052C-46F6-BDC1-3E6B35F8695E}" type="datetimeFigureOut">
               <a:rPr lang="en-US" smtClean="0"/>
-              <a:t>8/7/2025</a:t>
+              <a:t>08-Aug-25</a:t>
             </a:fld>
             <a:endParaRPr lang="en-US"/>
           </a:p>
@@ -2085,7 +3329,7 @@
           <a:p>
             <a:fld id="{491A0BFF-052C-46F6-BDC1-3E6B35F8695E}" type="datetimeFigureOut">
               <a:rPr lang="en-US" smtClean="0"/>
-              <a:t>8/7/2025</a:t>
+              <a:t>08-Aug-25</a:t>
             </a:fld>
             <a:endParaRPr lang="en-US"/>
           </a:p>
@@ -2396,7 +3640,7 @@
           <a:p>
             <a:fld id="{491A0BFF-052C-46F6-BDC1-3E6B35F8695E}" type="datetimeFigureOut">
               <a:rPr lang="en-US" smtClean="0"/>
-              <a:t>8/7/2025</a:t>
+              <a:t>08-Aug-25</a:t>
             </a:fld>
             <a:endParaRPr lang="en-US"/>
           </a:p>
@@ -2684,7 +3928,7 @@
           <a:p>
             <a:fld id="{491A0BFF-052C-46F6-BDC1-3E6B35F8695E}" type="datetimeFigureOut">
               <a:rPr lang="en-US" smtClean="0"/>
-              <a:t>8/7/2025</a:t>
+              <a:t>08-Aug-25</a:t>
             </a:fld>
             <a:endParaRPr lang="en-US"/>
           </a:p>
@@ -2925,7 +4169,7 @@
           <a:p>
             <a:fld id="{491A0BFF-052C-46F6-BDC1-3E6B35F8695E}" type="datetimeFigureOut">
               <a:rPr lang="en-US" smtClean="0"/>
-              <a:t>8/7/2025</a:t>
+              <a:t>08-Aug-25</a:t>
             </a:fld>
             <a:endParaRPr lang="en-US"/>
           </a:p>
@@ -3393,6 +4637,13 @@
             </a:stretch>
           </a:blipFill>
         </p:spPr>
+        <p:txBody>
+          <a:bodyPr/>
+          <a:lstStyle/>
+          <a:p>
+            <a:endParaRPr lang="en-US"/>
+          </a:p>
+        </p:txBody>
       </p:sp>
       <p:sp>
         <p:nvSpPr>
@@ -3445,6 +4696,13 @@
             </a:stretch>
           </a:blipFill>
         </p:spPr>
+        <p:txBody>
+          <a:bodyPr/>
+          <a:lstStyle/>
+          <a:p>
+            <a:endParaRPr lang="en-US"/>
+          </a:p>
+        </p:txBody>
       </p:sp>
       <p:sp>
         <p:nvSpPr>
@@ -3716,10 +4974,10 @@
             </a:pathLst>
           </a:custGeom>
           <a:blipFill>
-            <a:blip r:embed="rId2">
+            <a:blip r:embed="rId3">
               <a:extLst>
                 <a:ext uri="{96DAC541-7B7A-43D3-8B79-37D633B846F1}">
-                  <asvg:svgBlip xmlns:asvg="http://schemas.microsoft.com/office/drawing/2016/SVG/main" r:embed="rId3"/>
+                  <asvg:svgBlip xmlns:asvg="http://schemas.microsoft.com/office/drawing/2016/SVG/main" r:embed="rId4"/>
                 </a:ext>
               </a:extLst>
             </a:blip>
@@ -3728,6 +4986,13 @@
             </a:stretch>
           </a:blipFill>
         </p:spPr>
+        <p:txBody>
+          <a:bodyPr/>
+          <a:lstStyle/>
+          <a:p>
+            <a:endParaRPr lang="en-US"/>
+          </a:p>
+        </p:txBody>
       </p:sp>
       <p:sp>
         <p:nvSpPr>
@@ -3774,10 +5039,10 @@
             </a:pathLst>
           </a:custGeom>
           <a:blipFill>
-            <a:blip r:embed="rId2">
+            <a:blip r:embed="rId3">
               <a:extLst>
                 <a:ext uri="{96DAC541-7B7A-43D3-8B79-37D633B846F1}">
-                  <asvg:svgBlip xmlns:asvg="http://schemas.microsoft.com/office/drawing/2016/SVG/main" r:embed="rId3"/>
+                  <asvg:svgBlip xmlns:asvg="http://schemas.microsoft.com/office/drawing/2016/SVG/main" r:embed="rId4"/>
                 </a:ext>
               </a:extLst>
             </a:blip>
@@ -3786,6 +5051,13 @@
             </a:stretch>
           </a:blipFill>
         </p:spPr>
+        <p:txBody>
+          <a:bodyPr/>
+          <a:lstStyle/>
+          <a:p>
+            <a:endParaRPr lang="en-US"/>
+          </a:p>
+        </p:txBody>
       </p:sp>
       <p:sp>
         <p:nvSpPr>
@@ -3866,7 +5138,7 @@
           <p:nvPr/>
         </p:nvPicPr>
         <p:blipFill>
-          <a:blip r:embed="rId4"/>
+          <a:blip r:embed="rId5"/>
           <a:stretch>
             <a:fillRect/>
           </a:stretch>
@@ -4014,10 +5286,10 @@
             </a:pathLst>
           </a:custGeom>
           <a:blipFill>
-            <a:blip r:embed="rId2">
+            <a:blip r:embed="rId3">
               <a:extLst>
                 <a:ext uri="{96DAC541-7B7A-43D3-8B79-37D633B846F1}">
-                  <asvg:svgBlip xmlns:asvg="http://schemas.microsoft.com/office/drawing/2016/SVG/main" r:embed="rId3"/>
+                  <asvg:svgBlip xmlns:asvg="http://schemas.microsoft.com/office/drawing/2016/SVG/main" r:embed="rId4"/>
                 </a:ext>
               </a:extLst>
             </a:blip>
@@ -4026,6 +5298,13 @@
             </a:stretch>
           </a:blipFill>
         </p:spPr>
+        <p:txBody>
+          <a:bodyPr/>
+          <a:lstStyle/>
+          <a:p>
+            <a:endParaRPr lang="en-US"/>
+          </a:p>
+        </p:txBody>
       </p:sp>
       <p:sp>
         <p:nvSpPr>
@@ -4072,10 +5351,10 @@
             </a:pathLst>
           </a:custGeom>
           <a:blipFill>
-            <a:blip r:embed="rId2">
+            <a:blip r:embed="rId3">
               <a:extLst>
                 <a:ext uri="{96DAC541-7B7A-43D3-8B79-37D633B846F1}">
-                  <asvg:svgBlip xmlns:asvg="http://schemas.microsoft.com/office/drawing/2016/SVG/main" r:embed="rId3"/>
+                  <asvg:svgBlip xmlns:asvg="http://schemas.microsoft.com/office/drawing/2016/SVG/main" r:embed="rId4"/>
                 </a:ext>
               </a:extLst>
             </a:blip>
@@ -4084,6 +5363,13 @@
             </a:stretch>
           </a:blipFill>
         </p:spPr>
+        <p:txBody>
+          <a:bodyPr/>
+          <a:lstStyle/>
+          <a:p>
+            <a:endParaRPr lang="en-US"/>
+          </a:p>
+        </p:txBody>
       </p:sp>
       <p:sp>
         <p:nvSpPr>
@@ -4416,10 +5702,10 @@
             </a:pathLst>
           </a:custGeom>
           <a:blipFill>
-            <a:blip r:embed="rId2">
+            <a:blip r:embed="rId3">
               <a:extLst>
                 <a:ext uri="{96DAC541-7B7A-43D3-8B79-37D633B846F1}">
-                  <asvg:svgBlip xmlns:asvg="http://schemas.microsoft.com/office/drawing/2016/SVG/main" r:embed="rId3"/>
+                  <asvg:svgBlip xmlns:asvg="http://schemas.microsoft.com/office/drawing/2016/SVG/main" r:embed="rId4"/>
                 </a:ext>
               </a:extLst>
             </a:blip>
@@ -4428,6 +5714,13 @@
             </a:stretch>
           </a:blipFill>
         </p:spPr>
+        <p:txBody>
+          <a:bodyPr/>
+          <a:lstStyle/>
+          <a:p>
+            <a:endParaRPr lang="en-US"/>
+          </a:p>
+        </p:txBody>
       </p:sp>
       <p:sp>
         <p:nvSpPr>
@@ -4474,10 +5767,10 @@
             </a:pathLst>
           </a:custGeom>
           <a:blipFill>
-            <a:blip r:embed="rId2">
+            <a:blip r:embed="rId3">
               <a:extLst>
                 <a:ext uri="{96DAC541-7B7A-43D3-8B79-37D633B846F1}">
-                  <asvg:svgBlip xmlns:asvg="http://schemas.microsoft.com/office/drawing/2016/SVG/main" r:embed="rId3"/>
+                  <asvg:svgBlip xmlns:asvg="http://schemas.microsoft.com/office/drawing/2016/SVG/main" r:embed="rId4"/>
                 </a:ext>
               </a:extLst>
             </a:blip>
@@ -4486,6 +5779,13 @@
             </a:stretch>
           </a:blipFill>
         </p:spPr>
+        <p:txBody>
+          <a:bodyPr/>
+          <a:lstStyle/>
+          <a:p>
+            <a:endParaRPr lang="en-US"/>
+          </a:p>
+        </p:txBody>
       </p:sp>
       <p:sp>
         <p:nvSpPr>
@@ -4818,10 +6118,10 @@
             </a:pathLst>
           </a:custGeom>
           <a:blipFill>
-            <a:blip r:embed="rId2">
+            <a:blip r:embed="rId3">
               <a:extLst>
                 <a:ext uri="{96DAC541-7B7A-43D3-8B79-37D633B846F1}">
-                  <asvg:svgBlip xmlns:asvg="http://schemas.microsoft.com/office/drawing/2016/SVG/main" r:embed="rId3"/>
+                  <asvg:svgBlip xmlns:asvg="http://schemas.microsoft.com/office/drawing/2016/SVG/main" r:embed="rId4"/>
                 </a:ext>
               </a:extLst>
             </a:blip>
@@ -4830,6 +6130,13 @@
             </a:stretch>
           </a:blipFill>
         </p:spPr>
+        <p:txBody>
+          <a:bodyPr/>
+          <a:lstStyle/>
+          <a:p>
+            <a:endParaRPr lang="en-US"/>
+          </a:p>
+        </p:txBody>
       </p:sp>
       <p:sp>
         <p:nvSpPr>
@@ -4876,10 +6183,10 @@
             </a:pathLst>
           </a:custGeom>
           <a:blipFill>
-            <a:blip r:embed="rId2">
+            <a:blip r:embed="rId3">
               <a:extLst>
                 <a:ext uri="{96DAC541-7B7A-43D3-8B79-37D633B846F1}">
-                  <asvg:svgBlip xmlns:asvg="http://schemas.microsoft.com/office/drawing/2016/SVG/main" r:embed="rId3"/>
+                  <asvg:svgBlip xmlns:asvg="http://schemas.microsoft.com/office/drawing/2016/SVG/main" r:embed="rId4"/>
                 </a:ext>
               </a:extLst>
             </a:blip>
@@ -4888,6 +6195,13 @@
             </a:stretch>
           </a:blipFill>
         </p:spPr>
+        <p:txBody>
+          <a:bodyPr/>
+          <a:lstStyle/>
+          <a:p>
+            <a:endParaRPr lang="en-US"/>
+          </a:p>
+        </p:txBody>
       </p:sp>
       <p:sp>
         <p:nvSpPr>
@@ -5209,10 +6523,10 @@
             </a:pathLst>
           </a:custGeom>
           <a:blipFill>
-            <a:blip r:embed="rId2">
+            <a:blip r:embed="rId3">
               <a:extLst>
                 <a:ext uri="{96DAC541-7B7A-43D3-8B79-37D633B846F1}">
-                  <asvg:svgBlip xmlns:asvg="http://schemas.microsoft.com/office/drawing/2016/SVG/main" r:embed="rId3"/>
+                  <asvg:svgBlip xmlns:asvg="http://schemas.microsoft.com/office/drawing/2016/SVG/main" r:embed="rId4"/>
                 </a:ext>
               </a:extLst>
             </a:blip>
@@ -5221,6 +6535,13 @@
             </a:stretch>
           </a:blipFill>
         </p:spPr>
+        <p:txBody>
+          <a:bodyPr/>
+          <a:lstStyle/>
+          <a:p>
+            <a:endParaRPr lang="en-US"/>
+          </a:p>
+        </p:txBody>
       </p:sp>
       <p:sp>
         <p:nvSpPr>
@@ -5267,10 +6588,10 @@
             </a:pathLst>
           </a:custGeom>
           <a:blipFill>
-            <a:blip r:embed="rId2">
+            <a:blip r:embed="rId3">
               <a:extLst>
                 <a:ext uri="{96DAC541-7B7A-43D3-8B79-37D633B846F1}">
-                  <asvg:svgBlip xmlns:asvg="http://schemas.microsoft.com/office/drawing/2016/SVG/main" r:embed="rId3"/>
+                  <asvg:svgBlip xmlns:asvg="http://schemas.microsoft.com/office/drawing/2016/SVG/main" r:embed="rId4"/>
                 </a:ext>
               </a:extLst>
             </a:blip>
@@ -5279,6 +6600,13 @@
             </a:stretch>
           </a:blipFill>
         </p:spPr>
+        <p:txBody>
+          <a:bodyPr/>
+          <a:lstStyle/>
+          <a:p>
+            <a:endParaRPr lang="en-US"/>
+          </a:p>
+        </p:txBody>
       </p:sp>
       <p:sp>
         <p:nvSpPr>
@@ -5600,10 +6928,10 @@
             </a:pathLst>
           </a:custGeom>
           <a:blipFill>
-            <a:blip r:embed="rId2">
+            <a:blip r:embed="rId3">
               <a:extLst>
                 <a:ext uri="{96DAC541-7B7A-43D3-8B79-37D633B846F1}">
-                  <asvg:svgBlip xmlns:asvg="http://schemas.microsoft.com/office/drawing/2016/SVG/main" r:embed="rId3"/>
+                  <asvg:svgBlip xmlns:asvg="http://schemas.microsoft.com/office/drawing/2016/SVG/main" r:embed="rId4"/>
                 </a:ext>
               </a:extLst>
             </a:blip>
@@ -5612,6 +6940,13 @@
             </a:stretch>
           </a:blipFill>
         </p:spPr>
+        <p:txBody>
+          <a:bodyPr/>
+          <a:lstStyle/>
+          <a:p>
+            <a:endParaRPr lang="en-US"/>
+          </a:p>
+        </p:txBody>
       </p:sp>
       <p:sp>
         <p:nvSpPr>
@@ -5658,10 +6993,10 @@
             </a:pathLst>
           </a:custGeom>
           <a:blipFill>
-            <a:blip r:embed="rId2">
+            <a:blip r:embed="rId3">
               <a:extLst>
                 <a:ext uri="{96DAC541-7B7A-43D3-8B79-37D633B846F1}">
-                  <asvg:svgBlip xmlns:asvg="http://schemas.microsoft.com/office/drawing/2016/SVG/main" r:embed="rId3"/>
+                  <asvg:svgBlip xmlns:asvg="http://schemas.microsoft.com/office/drawing/2016/SVG/main" r:embed="rId4"/>
                 </a:ext>
               </a:extLst>
             </a:blip>
@@ -5670,6 +7005,13 @@
             </a:stretch>
           </a:blipFill>
         </p:spPr>
+        <p:txBody>
+          <a:bodyPr/>
+          <a:lstStyle/>
+          <a:p>
+            <a:endParaRPr lang="en-US"/>
+          </a:p>
+        </p:txBody>
       </p:sp>
       <p:sp>
         <p:nvSpPr>
@@ -5914,10 +7256,10 @@
             </a:pathLst>
           </a:custGeom>
           <a:blipFill>
-            <a:blip r:embed="rId2">
+            <a:blip r:embed="rId3">
               <a:extLst>
                 <a:ext uri="{96DAC541-7B7A-43D3-8B79-37D633B846F1}">
-                  <asvg:svgBlip xmlns:asvg="http://schemas.microsoft.com/office/drawing/2016/SVG/main" r:embed="rId3"/>
+                  <asvg:svgBlip xmlns:asvg="http://schemas.microsoft.com/office/drawing/2016/SVG/main" r:embed="rId4"/>
                 </a:ext>
               </a:extLst>
             </a:blip>
@@ -5926,6 +7268,13 @@
             </a:stretch>
           </a:blipFill>
         </p:spPr>
+        <p:txBody>
+          <a:bodyPr/>
+          <a:lstStyle/>
+          <a:p>
+            <a:endParaRPr lang="en-US"/>
+          </a:p>
+        </p:txBody>
       </p:sp>
       <p:sp>
         <p:nvSpPr>
@@ -5972,10 +7321,10 @@
             </a:pathLst>
           </a:custGeom>
           <a:blipFill>
-            <a:blip r:embed="rId2">
+            <a:blip r:embed="rId3">
               <a:extLst>
                 <a:ext uri="{96DAC541-7B7A-43D3-8B79-37D633B846F1}">
-                  <asvg:svgBlip xmlns:asvg="http://schemas.microsoft.com/office/drawing/2016/SVG/main" r:embed="rId3"/>
+                  <asvg:svgBlip xmlns:asvg="http://schemas.microsoft.com/office/drawing/2016/SVG/main" r:embed="rId4"/>
                 </a:ext>
               </a:extLst>
             </a:blip>
@@ -5984,6 +7333,13 @@
             </a:stretch>
           </a:blipFill>
         </p:spPr>
+        <p:txBody>
+          <a:bodyPr/>
+          <a:lstStyle/>
+          <a:p>
+            <a:endParaRPr lang="en-US"/>
+          </a:p>
+        </p:txBody>
       </p:sp>
       <p:sp>
         <p:nvSpPr>
@@ -6431,6 +7787,13 @@
             </a:stretch>
           </a:blipFill>
         </p:spPr>
+        <p:txBody>
+          <a:bodyPr/>
+          <a:lstStyle/>
+          <a:p>
+            <a:endParaRPr lang="en-US"/>
+          </a:p>
+        </p:txBody>
       </p:sp>
       <p:grpSp>
         <p:nvGrpSpPr>
@@ -6626,6 +7989,13 @@
             </a:stretch>
           </a:blipFill>
         </p:spPr>
+        <p:txBody>
+          <a:bodyPr/>
+          <a:lstStyle/>
+          <a:p>
+            <a:endParaRPr lang="en-US"/>
+          </a:p>
+        </p:txBody>
       </p:sp>
       <p:sp>
         <p:nvSpPr>
@@ -6684,6 +8054,13 @@
             </a:stretch>
           </a:blipFill>
         </p:spPr>
+        <p:txBody>
+          <a:bodyPr/>
+          <a:lstStyle/>
+          <a:p>
+            <a:endParaRPr lang="en-US"/>
+          </a:p>
+        </p:txBody>
       </p:sp>
       <p:sp>
         <p:nvSpPr>
@@ -6742,6 +8119,13 @@
             </a:stretch>
           </a:blipFill>
         </p:spPr>
+        <p:txBody>
+          <a:bodyPr/>
+          <a:lstStyle/>
+          <a:p>
+            <a:endParaRPr lang="en-US"/>
+          </a:p>
+        </p:txBody>
       </p:sp>
     </p:spTree>
     <p:extLst>
@@ -6824,6 +8208,13 @@
             </a:stretch>
           </a:blipFill>
         </p:spPr>
+        <p:txBody>
+          <a:bodyPr/>
+          <a:lstStyle/>
+          <a:p>
+            <a:endParaRPr lang="en-US"/>
+          </a:p>
+        </p:txBody>
       </p:sp>
       <p:sp>
         <p:nvSpPr>
@@ -6876,6 +8267,13 @@
             </a:stretch>
           </a:blipFill>
         </p:spPr>
+        <p:txBody>
+          <a:bodyPr/>
+          <a:lstStyle/>
+          <a:p>
+            <a:endParaRPr lang="en-US"/>
+          </a:p>
+        </p:txBody>
       </p:sp>
       <p:grpSp>
         <p:nvGrpSpPr>
@@ -7343,6 +8741,13 @@
             </a:stretch>
           </a:blipFill>
         </p:spPr>
+        <p:txBody>
+          <a:bodyPr/>
+          <a:lstStyle/>
+          <a:p>
+            <a:endParaRPr lang="en-US"/>
+          </a:p>
+        </p:txBody>
       </p:sp>
       <p:sp>
         <p:nvSpPr>
@@ -7401,6 +8806,13 @@
             </a:stretch>
           </a:blipFill>
         </p:spPr>
+        <p:txBody>
+          <a:bodyPr/>
+          <a:lstStyle/>
+          <a:p>
+            <a:endParaRPr lang="en-US"/>
+          </a:p>
+        </p:txBody>
       </p:sp>
       <p:sp>
         <p:nvSpPr>
@@ -7925,6 +9337,13 @@
             </a:stretch>
           </a:blipFill>
         </p:spPr>
+        <p:txBody>
+          <a:bodyPr/>
+          <a:lstStyle/>
+          <a:p>
+            <a:endParaRPr lang="en-US"/>
+          </a:p>
+        </p:txBody>
       </p:sp>
       <p:sp>
         <p:nvSpPr>
@@ -7977,6 +9396,13 @@
             </a:stretch>
           </a:blipFill>
         </p:spPr>
+        <p:txBody>
+          <a:bodyPr/>
+          <a:lstStyle/>
+          <a:p>
+            <a:endParaRPr lang="en-US"/>
+          </a:p>
+        </p:txBody>
       </p:sp>
       <p:sp>
         <p:nvSpPr>
@@ -8354,6 +9780,13 @@
             </a:stretch>
           </a:blipFill>
         </p:spPr>
+        <p:txBody>
+          <a:bodyPr/>
+          <a:lstStyle/>
+          <a:p>
+            <a:endParaRPr lang="en-US"/>
+          </a:p>
+        </p:txBody>
       </p:sp>
       <p:sp>
         <p:nvSpPr>
@@ -8412,6 +9845,13 @@
             </a:stretch>
           </a:blipFill>
         </p:spPr>
+        <p:txBody>
+          <a:bodyPr/>
+          <a:lstStyle/>
+          <a:p>
+            <a:endParaRPr lang="en-US"/>
+          </a:p>
+        </p:txBody>
       </p:sp>
       <p:sp>
         <p:nvSpPr>
@@ -8758,6 +10198,13 @@
             </a:stretch>
           </a:blipFill>
         </p:spPr>
+        <p:txBody>
+          <a:bodyPr/>
+          <a:lstStyle/>
+          <a:p>
+            <a:endParaRPr lang="en-US"/>
+          </a:p>
+        </p:txBody>
       </p:sp>
       <p:sp>
         <p:nvSpPr>
@@ -8816,6 +10263,13 @@
             </a:stretch>
           </a:blipFill>
         </p:spPr>
+        <p:txBody>
+          <a:bodyPr/>
+          <a:lstStyle/>
+          <a:p>
+            <a:endParaRPr lang="en-US"/>
+          </a:p>
+        </p:txBody>
       </p:sp>
       <p:sp>
         <p:nvSpPr>
@@ -9171,6 +10625,13 @@
             </a:stretch>
           </a:blipFill>
         </p:spPr>
+        <p:txBody>
+          <a:bodyPr/>
+          <a:lstStyle/>
+          <a:p>
+            <a:endParaRPr lang="en-US"/>
+          </a:p>
+        </p:txBody>
       </p:sp>
       <p:sp>
         <p:nvSpPr>
@@ -9229,6 +10690,13 @@
             </a:stretch>
           </a:blipFill>
         </p:spPr>
+        <p:txBody>
+          <a:bodyPr/>
+          <a:lstStyle/>
+          <a:p>
+            <a:endParaRPr lang="en-US"/>
+          </a:p>
+        </p:txBody>
       </p:sp>
       <p:sp>
         <p:nvSpPr>
@@ -9542,6 +11010,13 @@
             </a:stretch>
           </a:blipFill>
         </p:spPr>
+        <p:txBody>
+          <a:bodyPr/>
+          <a:lstStyle/>
+          <a:p>
+            <a:endParaRPr lang="en-US"/>
+          </a:p>
+        </p:txBody>
       </p:sp>
       <p:sp>
         <p:nvSpPr>
@@ -9600,6 +11075,13 @@
             </a:stretch>
           </a:blipFill>
         </p:spPr>
+        <p:txBody>
+          <a:bodyPr/>
+          <a:lstStyle/>
+          <a:p>
+            <a:endParaRPr lang="en-US"/>
+          </a:p>
+        </p:txBody>
       </p:sp>
       <p:sp>
         <p:nvSpPr>
@@ -9934,6 +11416,13 @@
             </a:stretch>
           </a:blipFill>
         </p:spPr>
+        <p:txBody>
+          <a:bodyPr/>
+          <a:lstStyle/>
+          <a:p>
+            <a:endParaRPr lang="en-US"/>
+          </a:p>
+        </p:txBody>
       </p:sp>
       <p:sp>
         <p:nvSpPr>
@@ -9992,6 +11481,13 @@
             </a:stretch>
           </a:blipFill>
         </p:spPr>
+        <p:txBody>
+          <a:bodyPr/>
+          <a:lstStyle/>
+          <a:p>
+            <a:endParaRPr lang="en-US"/>
+          </a:p>
+        </p:txBody>
       </p:sp>
       <p:sp>
         <p:nvSpPr>
@@ -10487,4 +11983,319 @@
     </a:ext>
   </a:extLst>
 </a:theme>
+</file>
+
+<file path=ppt/theme/theme2.xml><?xml version="1.0" encoding="utf-8"?>
+<a:theme xmlns:a="http://schemas.openxmlformats.org/drawingml/2006/main" name="Office Theme">
+  <a:themeElements>
+    <a:clrScheme name="Office">
+      <a:dk1>
+        <a:sysClr val="windowText" lastClr="000000"/>
+      </a:dk1>
+      <a:lt1>
+        <a:sysClr val="window" lastClr="FFFFFF"/>
+      </a:lt1>
+      <a:dk2>
+        <a:srgbClr val="0E2841"/>
+      </a:dk2>
+      <a:lt2>
+        <a:srgbClr val="E8E8E8"/>
+      </a:lt2>
+      <a:accent1>
+        <a:srgbClr val="156082"/>
+      </a:accent1>
+      <a:accent2>
+        <a:srgbClr val="E97132"/>
+      </a:accent2>
+      <a:accent3>
+        <a:srgbClr val="196B24"/>
+      </a:accent3>
+      <a:accent4>
+        <a:srgbClr val="0F9ED5"/>
+      </a:accent4>
+      <a:accent5>
+        <a:srgbClr val="A02B93"/>
+      </a:accent5>
+      <a:accent6>
+        <a:srgbClr val="4EA72E"/>
+      </a:accent6>
+      <a:hlink>
+        <a:srgbClr val="467886"/>
+      </a:hlink>
+      <a:folHlink>
+        <a:srgbClr val="96607D"/>
+      </a:folHlink>
+    </a:clrScheme>
+    <a:fontScheme name="Office">
+      <a:majorFont>
+        <a:latin typeface="Aptos Display" panose="02110004020202020204"/>
+        <a:ea typeface=""/>
+        <a:cs typeface=""/>
+        <a:font script="Jpan" typeface="游ゴシック Light"/>
+        <a:font script="Hang" typeface="맑은 고딕"/>
+        <a:font script="Hans" typeface="等线 Light"/>
+        <a:font script="Hant" typeface="新細明體"/>
+        <a:font script="Arab" typeface="Times New Roman"/>
+        <a:font script="Hebr" typeface="Times New Roman"/>
+        <a:font script="Thai" typeface="Angsana New"/>
+        <a:font script="Ethi" typeface="Nyala"/>
+        <a:font script="Beng" typeface="Vrinda"/>
+        <a:font script="Gujr" typeface="Shruti"/>
+        <a:font script="Khmr" typeface="MoolBoran"/>
+        <a:font script="Knda" typeface="Tunga"/>
+        <a:font script="Guru" typeface="Raavi"/>
+        <a:font script="Cans" typeface="Euphemia"/>
+        <a:font script="Cher" typeface="Plantagenet Cherokee"/>
+        <a:font script="Yiii" typeface="Microsoft Yi Baiti"/>
+        <a:font script="Tibt" typeface="Microsoft Himalaya"/>
+        <a:font script="Thaa" typeface="MV Boli"/>
+        <a:font script="Deva" typeface="Mangal"/>
+        <a:font script="Telu" typeface="Gautami"/>
+        <a:font script="Taml" typeface="Latha"/>
+        <a:font script="Syrc" typeface="Estrangelo Edessa"/>
+        <a:font script="Orya" typeface="Kalinga"/>
+        <a:font script="Mlym" typeface="Kartika"/>
+        <a:font script="Laoo" typeface="DokChampa"/>
+        <a:font script="Sinh" typeface="Iskoola Pota"/>
+        <a:font script="Mong" typeface="Mongolian Baiti"/>
+        <a:font script="Viet" typeface="Times New Roman"/>
+        <a:font script="Uigh" typeface="Microsoft Uighur"/>
+        <a:font script="Geor" typeface="Sylfaen"/>
+        <a:font script="Armn" typeface="Arial"/>
+        <a:font script="Bugi" typeface="Leelawadee UI"/>
+        <a:font script="Bopo" typeface="Microsoft JhengHei"/>
+        <a:font script="Java" typeface="Javanese Text"/>
+        <a:font script="Lisu" typeface="Segoe UI"/>
+        <a:font script="Mymr" typeface="Myanmar Text"/>
+        <a:font script="Nkoo" typeface="Ebrima"/>
+        <a:font script="Olck" typeface="Nirmala UI"/>
+        <a:font script="Osma" typeface="Ebrima"/>
+        <a:font script="Phag" typeface="Phagspa"/>
+        <a:font script="Syrn" typeface="Estrangelo Edessa"/>
+        <a:font script="Syrj" typeface="Estrangelo Edessa"/>
+        <a:font script="Syre" typeface="Estrangelo Edessa"/>
+        <a:font script="Sora" typeface="Nirmala UI"/>
+        <a:font script="Tale" typeface="Microsoft Tai Le"/>
+        <a:font script="Talu" typeface="Microsoft New Tai Lue"/>
+        <a:font script="Tfng" typeface="Ebrima"/>
+      </a:majorFont>
+      <a:minorFont>
+        <a:latin typeface="Aptos" panose="02110004020202020204"/>
+        <a:ea typeface=""/>
+        <a:cs typeface=""/>
+        <a:font script="Jpan" typeface="游ゴシック"/>
+        <a:font script="Hang" typeface="맑은 고딕"/>
+        <a:font script="Hans" typeface="等线"/>
+        <a:font script="Hant" typeface="新細明體"/>
+        <a:font script="Arab" typeface="Arial"/>
+        <a:font script="Hebr" typeface="Arial"/>
+        <a:font script="Thai" typeface="Cordia New"/>
+        <a:font script="Ethi" typeface="Nyala"/>
+        <a:font script="Beng" typeface="Vrinda"/>
+        <a:font script="Gujr" typeface="Shruti"/>
+        <a:font script="Khmr" typeface="DaunPenh"/>
+        <a:font script="Knda" typeface="Tunga"/>
+        <a:font script="Guru" typeface="Raavi"/>
+        <a:font script="Cans" typeface="Euphemia"/>
+        <a:font script="Cher" typeface="Plantagenet Cherokee"/>
+        <a:font script="Yiii" typeface="Microsoft Yi Baiti"/>
+        <a:font script="Tibt" typeface="Microsoft Himalaya"/>
+        <a:font script="Thaa" typeface="MV Boli"/>
+        <a:font script="Deva" typeface="Mangal"/>
+        <a:font script="Telu" typeface="Gautami"/>
+        <a:font script="Taml" typeface="Latha"/>
+        <a:font script="Syrc" typeface="Estrangelo Edessa"/>
+        <a:font script="Orya" typeface="Kalinga"/>
+        <a:font script="Mlym" typeface="Kartika"/>
+        <a:font script="Laoo" typeface="DokChampa"/>
+        <a:font script="Sinh" typeface="Iskoola Pota"/>
+        <a:font script="Mong" typeface="Mongolian Baiti"/>
+        <a:font script="Viet" typeface="Arial"/>
+        <a:font script="Uigh" typeface="Microsoft Uighur"/>
+        <a:font script="Geor" typeface="Sylfaen"/>
+        <a:font script="Armn" typeface="Arial"/>
+        <a:font script="Bugi" typeface="Leelawadee UI"/>
+        <a:font script="Bopo" typeface="Microsoft JhengHei"/>
+        <a:font script="Java" typeface="Javanese Text"/>
+        <a:font script="Lisu" typeface="Segoe UI"/>
+        <a:font script="Mymr" typeface="Myanmar Text"/>
+        <a:font script="Nkoo" typeface="Ebrima"/>
+        <a:font script="Olck" typeface="Nirmala UI"/>
+        <a:font script="Osma" typeface="Ebrima"/>
+        <a:font script="Phag" typeface="Phagspa"/>
+        <a:font script="Syrn" typeface="Estrangelo Edessa"/>
+        <a:font script="Syrj" typeface="Estrangelo Edessa"/>
+        <a:font script="Syre" typeface="Estrangelo Edessa"/>
+        <a:font script="Sora" typeface="Nirmala UI"/>
+        <a:font script="Tale" typeface="Microsoft Tai Le"/>
+        <a:font script="Talu" typeface="Microsoft New Tai Lue"/>
+        <a:font script="Tfng" typeface="Ebrima"/>
+      </a:minorFont>
+    </a:fontScheme>
+    <a:fmtScheme name="Office">
+      <a:fillStyleLst>
+        <a:solidFill>
+          <a:schemeClr val="phClr"/>
+        </a:solidFill>
+        <a:gradFill rotWithShape="1">
+          <a:gsLst>
+            <a:gs pos="0">
+              <a:schemeClr val="phClr">
+                <a:lumMod val="110000"/>
+                <a:satMod val="105000"/>
+                <a:tint val="67000"/>
+              </a:schemeClr>
+            </a:gs>
+            <a:gs pos="50000">
+              <a:schemeClr val="phClr">
+                <a:lumMod val="105000"/>
+                <a:satMod val="103000"/>
+                <a:tint val="73000"/>
+              </a:schemeClr>
+            </a:gs>
+            <a:gs pos="100000">
+              <a:schemeClr val="phClr">
+                <a:lumMod val="105000"/>
+                <a:satMod val="109000"/>
+                <a:tint val="81000"/>
+              </a:schemeClr>
+            </a:gs>
+          </a:gsLst>
+          <a:lin ang="5400000" scaled="0"/>
+        </a:gradFill>
+        <a:gradFill rotWithShape="1">
+          <a:gsLst>
+            <a:gs pos="0">
+              <a:schemeClr val="phClr">
+                <a:satMod val="103000"/>
+                <a:lumMod val="102000"/>
+                <a:tint val="94000"/>
+              </a:schemeClr>
+            </a:gs>
+            <a:gs pos="50000">
+              <a:schemeClr val="phClr">
+                <a:satMod val="110000"/>
+                <a:lumMod val="100000"/>
+                <a:shade val="100000"/>
+              </a:schemeClr>
+            </a:gs>
+            <a:gs pos="100000">
+              <a:schemeClr val="phClr">
+                <a:lumMod val="99000"/>
+                <a:satMod val="120000"/>
+                <a:shade val="78000"/>
+              </a:schemeClr>
+            </a:gs>
+          </a:gsLst>
+          <a:lin ang="5400000" scaled="0"/>
+        </a:gradFill>
+      </a:fillStyleLst>
+      <a:lnStyleLst>
+        <a:ln w="12700" cap="flat" cmpd="sng" algn="ctr">
+          <a:solidFill>
+            <a:schemeClr val="phClr"/>
+          </a:solidFill>
+          <a:prstDash val="solid"/>
+          <a:miter lim="800000"/>
+        </a:ln>
+        <a:ln w="19050" cap="flat" cmpd="sng" algn="ctr">
+          <a:solidFill>
+            <a:schemeClr val="phClr"/>
+          </a:solidFill>
+          <a:prstDash val="solid"/>
+          <a:miter lim="800000"/>
+        </a:ln>
+        <a:ln w="25400" cap="flat" cmpd="sng" algn="ctr">
+          <a:solidFill>
+            <a:schemeClr val="phClr"/>
+          </a:solidFill>
+          <a:prstDash val="solid"/>
+          <a:miter lim="800000"/>
+        </a:ln>
+      </a:lnStyleLst>
+      <a:effectStyleLst>
+        <a:effectStyle>
+          <a:effectLst/>
+        </a:effectStyle>
+        <a:effectStyle>
+          <a:effectLst/>
+        </a:effectStyle>
+        <a:effectStyle>
+          <a:effectLst>
+            <a:outerShdw blurRad="57150" dist="19050" dir="5400000" algn="ctr" rotWithShape="0">
+              <a:srgbClr val="000000">
+                <a:alpha val="63000"/>
+              </a:srgbClr>
+            </a:outerShdw>
+          </a:effectLst>
+        </a:effectStyle>
+      </a:effectStyleLst>
+      <a:bgFillStyleLst>
+        <a:solidFill>
+          <a:schemeClr val="phClr"/>
+        </a:solidFill>
+        <a:solidFill>
+          <a:schemeClr val="phClr">
+            <a:tint val="95000"/>
+            <a:satMod val="170000"/>
+          </a:schemeClr>
+        </a:solidFill>
+        <a:gradFill rotWithShape="1">
+          <a:gsLst>
+            <a:gs pos="0">
+              <a:schemeClr val="phClr">
+                <a:tint val="93000"/>
+                <a:satMod val="150000"/>
+                <a:shade val="98000"/>
+                <a:lumMod val="102000"/>
+              </a:schemeClr>
+            </a:gs>
+            <a:gs pos="50000">
+              <a:schemeClr val="phClr">
+                <a:tint val="98000"/>
+                <a:satMod val="130000"/>
+                <a:shade val="90000"/>
+                <a:lumMod val="103000"/>
+              </a:schemeClr>
+            </a:gs>
+            <a:gs pos="100000">
+              <a:schemeClr val="phClr">
+                <a:shade val="63000"/>
+                <a:satMod val="120000"/>
+              </a:schemeClr>
+            </a:gs>
+          </a:gsLst>
+          <a:lin ang="5400000" scaled="0"/>
+        </a:gradFill>
+      </a:bgFillStyleLst>
+    </a:fmtScheme>
+  </a:themeElements>
+  <a:objectDefaults>
+    <a:lnDef>
+      <a:spPr/>
+      <a:bodyPr/>
+      <a:lstStyle/>
+      <a:style>
+        <a:lnRef idx="2">
+          <a:schemeClr val="accent1"/>
+        </a:lnRef>
+        <a:fillRef idx="0">
+          <a:schemeClr val="accent1"/>
+        </a:fillRef>
+        <a:effectRef idx="1">
+          <a:schemeClr val="accent1"/>
+        </a:effectRef>
+        <a:fontRef idx="minor">
+          <a:schemeClr val="tx1"/>
+        </a:fontRef>
+      </a:style>
+    </a:lnDef>
+  </a:objectDefaults>
+  <a:extraClrSchemeLst/>
+  <a:extLst>
+    <a:ext uri="{05A4C25C-085E-4340-85A3-A5531E510DB2}">
+      <thm15:themeFamily xmlns:thm15="http://schemas.microsoft.com/office/thememl/2012/main" name="Office Theme" id="{2E142A2C-CD16-42D6-873A-C26D2A0506FA}" vid="{1BDDFF52-6CD6-40A5-AB3C-68EB2F1E4D0A}"/>
+    </a:ext>
+  </a:extLst>
+</a:theme>
 </file>